--- a/slides/day1Collections and efficiency.pptx
+++ b/slides/day1Collections and efficiency.pptx
@@ -224,7 +224,7 @@
           <a:p>
             <a:fld id="{2A8E572A-4565-0746-BE43-A640F5217200}" type="datetimeFigureOut">
               <a:rPr lang="en-US" smtClean="0"/>
-              <a:t>9/16/16</a:t>
+              <a:t>9/19/16</a:t>
             </a:fld>
             <a:endParaRPr lang="en-US"/>
           </a:p>
@@ -3499,128 +3499,152 @@
           <a:lstStyle/>
           <a:p>
             <a:r>
-              <a:rPr lang="da-DK" dirty="0" smtClean="0"/>
+              <a:rPr lang="da-DK" sz="2000" dirty="0" smtClean="0"/>
               <a:t>Linear </a:t>
             </a:r>
             <a:r>
-              <a:rPr lang="da-DK" dirty="0" err="1" smtClean="0"/>
+              <a:rPr lang="da-DK" sz="2000" dirty="0" err="1" smtClean="0"/>
               <a:t>search</a:t>
             </a:r>
             <a:r>
-              <a:rPr lang="da-DK" dirty="0" smtClean="0"/>
+              <a:rPr lang="da-DK" sz="2000" dirty="0" smtClean="0"/>
               <a:t>:	  O(n)</a:t>
             </a:r>
           </a:p>
           <a:p>
             <a:r>
-              <a:rPr lang="da-DK" dirty="0" err="1" smtClean="0"/>
+              <a:rPr lang="da-DK" sz="2000" dirty="0" err="1" smtClean="0"/>
               <a:t>Binary</a:t>
             </a:r>
             <a:r>
-              <a:rPr lang="da-DK" dirty="0" smtClean="0"/>
+              <a:rPr lang="da-DK" sz="2000" dirty="0" smtClean="0"/>
               <a:t> </a:t>
             </a:r>
             <a:r>
-              <a:rPr lang="da-DK" dirty="0" err="1" smtClean="0"/>
+              <a:rPr lang="da-DK" sz="2000" dirty="0" err="1" smtClean="0"/>
               <a:t>search</a:t>
             </a:r>
             <a:r>
-              <a:rPr lang="da-DK" dirty="0" smtClean="0"/>
+              <a:rPr lang="da-DK" sz="2000" dirty="0" smtClean="0"/>
               <a:t>:	  O(log n)</a:t>
             </a:r>
             <a:br>
-              <a:rPr lang="da-DK" dirty="0" smtClean="0"/>
+              <a:rPr lang="da-DK" sz="2000" dirty="0" smtClean="0"/>
             </a:br>
-            <a:endParaRPr lang="da-DK" dirty="0" smtClean="0"/>
-          </a:p>
-          <a:p>
-            <a:r>
-              <a:rPr lang="da-DK" dirty="0" err="1" smtClean="0"/>
+            <a:endParaRPr lang="da-DK" sz="2000" dirty="0" smtClean="0"/>
+          </a:p>
+          <a:p>
+            <a:r>
+              <a:rPr lang="da-DK" sz="2000" dirty="0" err="1" smtClean="0"/>
               <a:t>Selection</a:t>
             </a:r>
             <a:r>
-              <a:rPr lang="da-DK" dirty="0" smtClean="0"/>
+              <a:rPr lang="da-DK" sz="2000" dirty="0" smtClean="0"/>
               <a:t> Sort:	  O(n</a:t>
             </a:r>
             <a:r>
-              <a:rPr lang="da-DK" baseline="30000" dirty="0" smtClean="0"/>
+              <a:rPr lang="da-DK" sz="2000" baseline="30000" dirty="0" smtClean="0"/>
               <a:t>2</a:t>
             </a:r>
             <a:r>
-              <a:rPr lang="da-DK" dirty="0" smtClean="0"/>
+              <a:rPr lang="da-DK" sz="2000" dirty="0" smtClean="0"/>
               <a:t>)   </a:t>
             </a:r>
             <a:r>
-              <a:rPr lang="da-DK" sz="2608" dirty="0"/>
-              <a:t>(same for </a:t>
-            </a:r>
-            <a:r>
-              <a:rPr lang="da-DK" sz="2608" dirty="0" err="1"/>
+              <a:rPr lang="da-DK" sz="2000" dirty="0"/>
+              <a:t>	</a:t>
+            </a:r>
+            <a:r>
+              <a:rPr lang="da-DK" sz="2000" dirty="0" smtClean="0"/>
+              <a:t>(</a:t>
+            </a:r>
+            <a:r>
+              <a:rPr lang="da-DK" sz="2000" dirty="0"/>
+              <a:t>same for </a:t>
+            </a:r>
+            <a:r>
+              <a:rPr lang="da-DK" sz="2000" dirty="0" err="1"/>
               <a:t>Insertion</a:t>
             </a:r>
             <a:r>
-              <a:rPr lang="da-DK" sz="2608" dirty="0"/>
+              <a:rPr lang="da-DK" sz="2000" dirty="0"/>
               <a:t> and </a:t>
             </a:r>
             <a:r>
-              <a:rPr lang="da-DK" sz="2608" dirty="0" err="1"/>
+              <a:rPr lang="da-DK" sz="2000" dirty="0" err="1"/>
               <a:t>Bubble</a:t>
             </a:r>
             <a:r>
-              <a:rPr lang="da-DK" sz="2608" dirty="0"/>
+              <a:rPr lang="da-DK" sz="2000" dirty="0"/>
               <a:t> Sort)</a:t>
             </a:r>
           </a:p>
           <a:p>
             <a:r>
-              <a:rPr lang="da-DK" dirty="0" err="1" smtClean="0"/>
+              <a:rPr lang="da-DK" sz="2000" dirty="0" err="1" smtClean="0"/>
               <a:t>Quick</a:t>
             </a:r>
             <a:r>
-              <a:rPr lang="da-DK" dirty="0" smtClean="0"/>
-              <a:t> Sort: 	  O(n*log n)      </a:t>
-            </a:r>
-            <a:r>
-              <a:rPr lang="da-DK" sz="2608" dirty="0"/>
-              <a:t>(</a:t>
-            </a:r>
-            <a:r>
-              <a:rPr lang="da-DK" sz="2608" dirty="0"/>
+              <a:rPr lang="da-DK" sz="2000" dirty="0" smtClean="0"/>
+              <a:t> Sort: 	</a:t>
+            </a:r>
+            <a:r>
+              <a:rPr lang="da-DK" sz="2000" dirty="0" smtClean="0"/>
+              <a:t>O(n*log </a:t>
+            </a:r>
+            <a:r>
+              <a:rPr lang="da-DK" sz="2000" dirty="0" smtClean="0"/>
+              <a:t>n</a:t>
+            </a:r>
+            <a:r>
+              <a:rPr lang="da-DK" sz="2000" smtClean="0"/>
+              <a:t>)      </a:t>
+            </a:r>
+            <a:r>
+              <a:rPr lang="da-DK" sz="2000" smtClean="0"/>
+              <a:t>	(</a:t>
+            </a:r>
+            <a:r>
+              <a:rPr lang="da-DK" sz="2000" dirty="0"/>
               <a:t>average)</a:t>
             </a:r>
             <a:br>
-              <a:rPr lang="da-DK" sz="2608" dirty="0"/>
+              <a:rPr lang="da-DK" sz="2000" dirty="0"/>
             </a:br>
             <a:r>
-              <a:rPr lang="da-DK" dirty="0" smtClean="0"/>
-              <a:t>			  O(n</a:t>
-            </a:r>
-            <a:r>
-              <a:rPr lang="da-DK" baseline="30000" dirty="0" smtClean="0"/>
+              <a:rPr lang="da-DK" sz="2000" dirty="0" smtClean="0"/>
+              <a:t>			  </a:t>
+            </a:r>
+            <a:r>
+              <a:rPr lang="da-DK" sz="2000" dirty="0" smtClean="0"/>
+              <a:t>	O(n</a:t>
+            </a:r>
+            <a:r>
+              <a:rPr lang="da-DK" sz="2000" baseline="30000" dirty="0" smtClean="0"/>
               <a:t>2</a:t>
             </a:r>
             <a:r>
-              <a:rPr lang="da-DK" dirty="0" smtClean="0"/>
+              <a:rPr lang="da-DK" sz="2000" smtClean="0"/>
               <a:t>)</a:t>
             </a:r>
             <a:r>
-              <a:rPr lang="da-DK" dirty="0"/>
+              <a:rPr lang="da-DK" sz="2000"/>
               <a:t> </a:t>
             </a:r>
             <a:r>
-              <a:rPr lang="da-DK" dirty="0" smtClean="0"/>
-              <a:t>               </a:t>
-            </a:r>
-            <a:r>
-              <a:rPr lang="da-DK" sz="2608" dirty="0"/>
-              <a:t>(</a:t>
-            </a:r>
-            <a:r>
-              <a:rPr lang="da-DK" sz="2608" dirty="0" err="1"/>
+              <a:rPr lang="da-DK" sz="2000" smtClean="0"/>
+              <a:t>             </a:t>
+            </a:r>
+            <a:r>
+              <a:rPr lang="da-DK" sz="2000" smtClean="0"/>
+              <a:t>	(</a:t>
+            </a:r>
+            <a:r>
+              <a:rPr lang="da-DK" sz="2000" dirty="0" err="1"/>
               <a:t>worst</a:t>
             </a:r>
             <a:r>
-              <a:rPr lang="da-DK" sz="2608" dirty="0"/>
+              <a:rPr lang="da-DK" sz="2000" dirty="0"/>
               <a:t>)</a:t>
             </a:r>
           </a:p>
@@ -3628,7 +3652,7 @@
             <a:pPr marL="0" indent="0">
               <a:buNone/>
             </a:pPr>
-            <a:endParaRPr lang="da-DK" dirty="0" smtClean="0"/>
+            <a:endParaRPr lang="da-DK" sz="2000" dirty="0" smtClean="0"/>
           </a:p>
         </p:txBody>
       </p:sp>
@@ -3764,14 +3788,14 @@
             </a:r>
             <a:r>
               <a:rPr lang="da-DK" sz="3042" u="sng" dirty="0"/>
-              <a:t>	</a:t>
-            </a:r>
-            <a:r>
-              <a:rPr lang="da-DK" sz="3042" u="sng" dirty="0"/>
-              <a:t>	</a:t>
-            </a:r>
-            <a:r>
-              <a:rPr lang="da-DK" sz="3042" b="1" u="sng" dirty="0" err="1"/>
+              <a:t>		</a:t>
+            </a:r>
+            <a:r>
+              <a:rPr lang="da-DK" sz="3042" u="sng" dirty="0" smtClean="0"/>
+              <a:t>			</a:t>
+            </a:r>
+            <a:r>
+              <a:rPr lang="da-DK" sz="3042" b="1" u="sng" dirty="0" err="1" smtClean="0"/>
               <a:t>search</a:t>
             </a:r>
             <a:r>
@@ -3790,11 +3814,7 @@
             </a:r>
             <a:r>
               <a:rPr lang="da-DK" sz="2608" dirty="0"/>
-              <a:t> </a:t>
-            </a:r>
-            <a:r>
-              <a:rPr lang="da-DK" sz="2608" dirty="0"/>
-              <a:t>array 		O (1)	</a:t>
+              <a:t> array 		O (1)	</a:t>
             </a:r>
             <a:r>
               <a:rPr lang="da-DK" sz="2608" b="1" dirty="0"/>
@@ -3820,19 +3840,27 @@
             </a:r>
             <a:r>
               <a:rPr lang="da-DK" sz="2608" dirty="0"/>
-              <a:t> list	   </a:t>
+              <a:t> list	</a:t>
+            </a:r>
+            <a:r>
+              <a:rPr lang="da-DK" sz="2608" dirty="0" smtClean="0"/>
+              <a:t>O </a:t>
             </a:r>
             <a:r>
               <a:rPr lang="da-DK" sz="2608" dirty="0"/>
-              <a:t>	O (1)		</a:t>
+              <a:t>(1)		</a:t>
+            </a:r>
+            <a:r>
+              <a:rPr lang="da-DK" sz="2608" dirty="0" smtClean="0"/>
+              <a:t>	</a:t>
+            </a:r>
+            <a:r>
+              <a:rPr lang="da-DK" sz="2608" b="1" dirty="0" smtClean="0"/>
+              <a:t>O </a:t>
             </a:r>
             <a:r>
               <a:rPr lang="da-DK" sz="2608" b="1" dirty="0"/>
-              <a:t>O (n</a:t>
-            </a:r>
-            <a:r>
-              <a:rPr lang="da-DK" sz="2608" b="1" dirty="0"/>
-              <a:t>)</a:t>
+              <a:t>(n)</a:t>
             </a:r>
             <a:br>
               <a:rPr lang="da-DK" sz="2608" b="1" dirty="0"/>
@@ -3841,7 +3869,6 @@
               <a:rPr lang="da-DK" sz="2608" b="1" dirty="0"/>
               <a:t> </a:t>
             </a:r>
-            <a:endParaRPr lang="da-DK" sz="2608" b="1" dirty="0"/>
           </a:p>
           <a:p>
             <a:pPr>
@@ -3854,19 +3881,7 @@
             </a:r>
             <a:r>
               <a:rPr lang="da-DK" sz="2608" dirty="0"/>
-              <a:t> </a:t>
-            </a:r>
-            <a:r>
-              <a:rPr lang="da-DK" sz="2608" dirty="0"/>
-              <a:t>array 		</a:t>
-            </a:r>
-            <a:r>
-              <a:rPr lang="da-DK" sz="2608" dirty="0"/>
-              <a:t>	O </a:t>
-            </a:r>
-            <a:r>
-              <a:rPr lang="da-DK" sz="2608" dirty="0"/>
-              <a:t>(n) </a:t>
+              <a:t> array 			O (n) </a:t>
             </a:r>
             <a:r>
               <a:rPr lang="da-DK" sz="2608" baseline="30000" dirty="0"/>
@@ -3897,27 +3912,19 @@
             </a:r>
             <a:r>
               <a:rPr lang="da-DK" sz="2608" dirty="0"/>
-              <a:t> list </a:t>
-            </a:r>
-            <a:r>
-              <a:rPr lang="da-DK" sz="2608" dirty="0"/>
+              <a:t> list 		O (n)		</a:t>
+            </a:r>
+            <a:r>
+              <a:rPr lang="da-DK" sz="2608" dirty="0" smtClean="0"/>
               <a:t>	</a:t>
             </a:r>
             <a:r>
-              <a:rPr lang="da-DK" sz="2608" dirty="0"/>
-              <a:t>	O </a:t>
-            </a:r>
-            <a:r>
-              <a:rPr lang="da-DK" sz="2608" dirty="0"/>
-              <a:t>(n)		</a:t>
+              <a:rPr lang="da-DK" sz="2608" b="1" dirty="0" smtClean="0"/>
+              <a:t>O </a:t>
             </a:r>
             <a:r>
               <a:rPr lang="da-DK" sz="2608" b="1" dirty="0"/>
-              <a:t>O (n</a:t>
-            </a:r>
-            <a:r>
-              <a:rPr lang="da-DK" sz="2608" b="1" dirty="0"/>
-              <a:t>)</a:t>
+              <a:t>(n)</a:t>
             </a:r>
             <a:br>
               <a:rPr lang="da-DK" sz="2608" b="1" dirty="0"/>
@@ -3951,11 +3958,27 @@
             </a:r>
             <a:r>
               <a:rPr lang="da-DK" sz="2608" dirty="0"/>
-              <a:t>		O(log n)	</a:t>
+              <a:t>	</a:t>
+            </a:r>
+            <a:r>
+              <a:rPr lang="da-DK" sz="2608" dirty="0" smtClean="0"/>
+              <a:t>O(log </a:t>
+            </a:r>
+            <a:r>
+              <a:rPr lang="da-DK" sz="2608" dirty="0"/>
+              <a:t>n)	</a:t>
+            </a:r>
+            <a:r>
+              <a:rPr lang="da-DK" sz="2608" dirty="0" smtClean="0"/>
+              <a:t>	</a:t>
+            </a:r>
+            <a:r>
+              <a:rPr lang="da-DK" sz="2608" b="1" dirty="0" smtClean="0"/>
+              <a:t>O </a:t>
             </a:r>
             <a:r>
               <a:rPr lang="da-DK" sz="2608" b="1" dirty="0"/>
-              <a:t>O (log n)</a:t>
+              <a:t>(log n)</a:t>
             </a:r>
           </a:p>
           <a:p>
@@ -4196,11 +4219,7 @@
             </a:pPr>
             <a:r>
               <a:rPr lang="da-DK" sz="2608" dirty="0"/>
-              <a:t>Data </a:t>
-            </a:r>
-            <a:r>
-              <a:rPr lang="da-DK" sz="2608" dirty="0"/>
-              <a:t>is </a:t>
+              <a:t>Data is </a:t>
             </a:r>
             <a:r>
               <a:rPr lang="da-DK" sz="2608" dirty="0" err="1"/>
@@ -4214,7 +4233,6 @@
               <a:rPr lang="da-DK" sz="2608" b="1" dirty="0"/>
               <a:t>array</a:t>
             </a:r>
-            <a:endParaRPr lang="da-DK" sz="2608" b="1" dirty="0"/>
           </a:p>
           <a:p>
             <a:pPr>
@@ -4262,7 +4280,6 @@
               <a:rPr lang="da-DK" sz="2608" dirty="0"/>
               <a:t>.</a:t>
             </a:r>
-            <a:endParaRPr lang="da-DK" sz="2608" dirty="0"/>
           </a:p>
           <a:p>
             <a:pPr lvl="1">
@@ -4276,11 +4293,7 @@
             </a:r>
             <a:r>
               <a:rPr lang="da-DK" sz="2173" b="1" dirty="0"/>
-              <a:t> = </a:t>
-            </a:r>
-            <a:r>
-              <a:rPr lang="da-DK" sz="2173" b="1" dirty="0"/>
-              <a:t>hash-</a:t>
+              <a:t> = hash-</a:t>
             </a:r>
             <a:r>
               <a:rPr lang="da-DK" sz="2173" b="1" dirty="0" err="1"/>
@@ -4300,11 +4313,7 @@
             </a:r>
             <a:r>
               <a:rPr lang="da-DK" sz="2173" dirty="0"/>
-              <a:t>    </a:t>
-            </a:r>
-            <a:r>
-              <a:rPr lang="da-DK" sz="2173" dirty="0"/>
-              <a:t>		</a:t>
+              <a:t>    		</a:t>
             </a:r>
             <a:endParaRPr lang="da-DK" sz="1956" dirty="0"/>
           </a:p>
@@ -4322,7 +4331,6 @@
               <a:rPr lang="da-DK" sz="2608" dirty="0"/>
               <a:t> </a:t>
             </a:r>
-            <a:endParaRPr lang="da-DK" sz="2608" dirty="0"/>
           </a:p>
           <a:p>
             <a:pPr lvl="1">
@@ -4350,7 +4358,6 @@
               <a:rPr lang="da-DK" sz="2173" dirty="0"/>
               <a:t>)</a:t>
             </a:r>
-            <a:endParaRPr lang="da-DK" sz="2173" dirty="0"/>
           </a:p>
           <a:p>
             <a:pPr>
@@ -4362,7 +4369,6 @@
               <a:rPr lang="da-DK" sz="2608" dirty="0"/>
               <a:t>”Search”</a:t>
             </a:r>
-            <a:endParaRPr lang="da-DK" sz="2608" dirty="0"/>
           </a:p>
           <a:p>
             <a:pPr lvl="1">
@@ -4386,7 +4392,6 @@
               <a:rPr lang="da-DK" sz="2173" dirty="0"/>
               <a:t>)</a:t>
             </a:r>
-            <a:endParaRPr lang="da-DK" sz="2173" dirty="0"/>
           </a:p>
           <a:p>
             <a:pPr>
@@ -4414,7 +4419,6 @@
               <a:rPr lang="da-DK" sz="2608" dirty="0"/>
               <a:t>must </a:t>
             </a:r>
-            <a:endParaRPr lang="da-DK" sz="2608" dirty="0"/>
           </a:p>
           <a:p>
             <a:pPr lvl="1">
@@ -4424,11 +4428,7 @@
             </a:pPr>
             <a:r>
               <a:rPr lang="da-DK" sz="2173" dirty="0" err="1"/>
-              <a:t>r</a:t>
-            </a:r>
-            <a:r>
-              <a:rPr lang="da-DK" sz="2173" dirty="0" err="1"/>
-              <a:t>eturn</a:t>
+              <a:t>return</a:t>
             </a:r>
             <a:r>
               <a:rPr lang="da-DK" sz="2173" dirty="0"/>
@@ -4440,11 +4440,7 @@
             </a:r>
             <a:r>
               <a:rPr lang="da-DK" sz="2173" dirty="0"/>
-              <a:t>  </a:t>
-            </a:r>
-            <a:r>
-              <a:rPr lang="da-DK" sz="2173" dirty="0"/>
-              <a:t>(</a:t>
+              <a:t>  (</a:t>
             </a:r>
             <a:r>
               <a:rPr lang="da-DK" sz="2173" dirty="0" err="1"/>
@@ -4452,11 +4448,7 @@
             </a:r>
             <a:r>
               <a:rPr lang="da-DK" sz="2173" dirty="0"/>
-              <a:t> </a:t>
-            </a:r>
-            <a:r>
-              <a:rPr lang="da-DK" sz="2173" dirty="0"/>
-              <a:t>&lt; </a:t>
+              <a:t> &lt; </a:t>
             </a:r>
             <a:r>
               <a:rPr lang="da-DK" sz="2173" dirty="0" err="1"/>
@@ -4474,7 +4466,6 @@
               <a:rPr lang="da-DK" sz="2173" dirty="0"/>
               <a:t>)</a:t>
             </a:r>
-            <a:endParaRPr lang="da-DK" sz="2173" dirty="0"/>
           </a:p>
           <a:p>
             <a:pPr lvl="1">
@@ -4484,11 +4475,7 @@
             </a:pPr>
             <a:r>
               <a:rPr lang="da-DK" sz="2173" dirty="0" err="1"/>
-              <a:t>b</a:t>
-            </a:r>
-            <a:r>
-              <a:rPr lang="da-DK" sz="2173" dirty="0" err="1"/>
-              <a:t>e</a:t>
+              <a:t>be</a:t>
             </a:r>
             <a:r>
               <a:rPr lang="da-DK" sz="2173" dirty="0"/>
@@ -4598,7 +4585,6 @@
               <a:rPr lang="da-DK" sz="2173" dirty="0"/>
               <a:t>?)</a:t>
             </a:r>
-            <a:endParaRPr lang="da-DK" sz="2173" dirty="0"/>
           </a:p>
           <a:p>
             <a:pPr>
@@ -6525,11 +6511,7 @@
             </a:r>
             <a:r>
               <a:rPr lang="da-DK" sz="2608" dirty="0"/>
-              <a:t> </a:t>
-            </a:r>
-            <a:r>
-              <a:rPr lang="da-DK" sz="2608" dirty="0"/>
-              <a:t>(ex): </a:t>
+              <a:t> (ex): </a:t>
             </a:r>
           </a:p>
           <a:p>
@@ -6540,11 +6522,7 @@
             </a:pPr>
             <a:r>
               <a:rPr lang="da-DK" sz="2608" dirty="0" err="1"/>
-              <a:t>k</a:t>
-            </a:r>
-            <a:r>
-              <a:rPr lang="da-DK" sz="2608" dirty="0" err="1"/>
-              <a:t>ey</a:t>
+              <a:t>key</a:t>
             </a:r>
             <a:r>
               <a:rPr lang="da-DK" sz="2608" dirty="0"/>
@@ -6564,11 +6542,7 @@
             </a:r>
             <a:r>
               <a:rPr lang="da-DK" sz="2608" dirty="0"/>
-              <a:t> </a:t>
-            </a:r>
-            <a:r>
-              <a:rPr lang="da-DK" sz="2608" dirty="0"/>
-              <a:t>11 </a:t>
+              <a:t> 11 </a:t>
             </a:r>
           </a:p>
           <a:p>
@@ -6579,11 +6553,7 @@
             </a:pPr>
             <a:r>
               <a:rPr lang="da-DK" sz="2608" dirty="0"/>
-              <a:t>(</a:t>
-            </a:r>
-            <a:r>
-              <a:rPr lang="da-DK" sz="2608" dirty="0"/>
-              <a:t>11 = </a:t>
+              <a:t>(11 = </a:t>
             </a:r>
             <a:r>
               <a:rPr lang="da-DK" sz="2608" dirty="0" err="1"/>
@@ -6601,7 +6571,6 @@
               <a:rPr lang="da-DK" sz="2608" dirty="0"/>
               <a:t>)</a:t>
             </a:r>
-            <a:endParaRPr lang="da-DK" sz="2608" dirty="0"/>
           </a:p>
           <a:p>
             <a:pPr>
@@ -6666,31 +6635,7 @@
               <a:rPr lang="da-DK" sz="2608" dirty="0">
                 <a:sym typeface="Wingdings"/>
               </a:rPr>
-              <a:t>hash (13) </a:t>
-            </a:r>
-            <a:r>
-              <a:rPr lang="da-DK" sz="2608" dirty="0">
-                <a:sym typeface="Wingdings"/>
-              </a:rPr>
-              <a:t>=&gt;  13 </a:t>
-            </a:r>
-            <a:r>
-              <a:rPr lang="da-DK" sz="2608" dirty="0">
-                <a:sym typeface="Wingdings"/>
-              </a:rPr>
-              <a:t>mod 11 </a:t>
-            </a:r>
-            <a:r>
-              <a:rPr lang="da-DK" sz="2608" dirty="0">
-                <a:sym typeface="Wingdings"/>
-              </a:rPr>
-              <a:t>=&gt;  </a:t>
-            </a:r>
-            <a:r>
-              <a:rPr lang="da-DK" sz="2608" dirty="0">
-                <a:sym typeface="Wingdings"/>
-              </a:rPr>
-              <a:t>2</a:t>
+              <a:t>hash (13) =&gt;  13 mod 11 =&gt;  2</a:t>
             </a:r>
             <a:endParaRPr lang="da-DK" sz="2608" dirty="0"/>
           </a:p>
@@ -9830,11 +9775,7 @@
             </a:r>
             <a:r>
               <a:rPr lang="da-DK" dirty="0" smtClean="0"/>
-              <a:t>   </a:t>
-            </a:r>
-            <a:r>
-              <a:rPr lang="da-DK" dirty="0" smtClean="0"/>
-              <a:t>-  </a:t>
+              <a:t>   -  </a:t>
             </a:r>
             <a:r>
               <a:rPr lang="da-DK" dirty="0" err="1" smtClean="0"/>
@@ -9890,11 +9831,7 @@
             </a:pPr>
             <a:r>
               <a:rPr lang="da-DK" sz="2000" dirty="0"/>
-              <a:t>f</a:t>
-            </a:r>
-            <a:r>
-              <a:rPr lang="da-DK" sz="2000" dirty="0"/>
-              <a:t>(x) = 2</a:t>
+              <a:t>f(x) = 2</a:t>
             </a:r>
             <a:r>
               <a:rPr lang="da-DK" sz="2000" baseline="30000" dirty="0"/>
@@ -9914,7 +9851,6 @@
               <a:rPr lang="da-DK" dirty="0" smtClean="0"/>
               <a:t> </a:t>
             </a:r>
-            <a:endParaRPr lang="da-DK" dirty="0" smtClean="0"/>
           </a:p>
           <a:p>
             <a:pPr lvl="1"/>
